--- a/youtube_uploading_tool.pptx
+++ b/youtube_uploading_tool.pptx
@@ -1404,8 +1404,8 @@
     <dgm:cxn modelId="{4C7DBC7F-7DF1-4B01-9278-08F064FCB080}" type="presOf" srcId="{0D3BEF20-7B46-413E-B049-6018ECB932FA}" destId="{C43588BE-6041-42F4-8149-AF59609EDF7F}" srcOrd="0" destOrd="0" presId="urn:microsoft.com/office/officeart/2005/8/layout/process5"/>
     <dgm:cxn modelId="{D0B30806-29B1-4465-8DA3-0EE88F7CD35F}" type="presOf" srcId="{71D15C8A-1CA4-4D80-B5C3-8CD2CBDD1776}" destId="{AABB74FC-36F6-4BA3-BB83-7C5BB2334239}" srcOrd="1" destOrd="0" presId="urn:microsoft.com/office/officeart/2005/8/layout/process5"/>
     <dgm:cxn modelId="{76ACA7EC-CAD1-4450-8B3A-4909F6193CAB}" srcId="{D699EF8D-F75A-4790-AE3A-D435F5A51C2B}" destId="{8C08A9C0-9656-4896-A1FD-BDAAC294D74F}" srcOrd="1" destOrd="0" parTransId="{E6B3EC70-B06F-4BDA-B312-6CAA02833F70}" sibTransId="{9D47FBB6-A887-4550-9590-86DACF771E66}"/>
+    <dgm:cxn modelId="{229B6B9D-F6DC-4B33-ADAB-AB34F986EC03}" srcId="{D699EF8D-F75A-4790-AE3A-D435F5A51C2B}" destId="{16528798-8300-41F3-8295-9BC576A7BD54}" srcOrd="4" destOrd="0" parTransId="{F57FA03A-E13C-47AF-A210-BCC1E26D33D0}" sibTransId="{BBD20EA4-C03D-4A11-BFDA-517DA392191E}"/>
     <dgm:cxn modelId="{AC3D58B4-B532-4D2E-8973-040844A54D26}" type="presOf" srcId="{48EFE8A3-D3D3-460B-A4D1-940F812D82E6}" destId="{8B2668C8-33C4-4DAE-8B06-874B3F0BAD49}" srcOrd="0" destOrd="0" presId="urn:microsoft.com/office/officeart/2005/8/layout/process5"/>
-    <dgm:cxn modelId="{229B6B9D-F6DC-4B33-ADAB-AB34F986EC03}" srcId="{D699EF8D-F75A-4790-AE3A-D435F5A51C2B}" destId="{16528798-8300-41F3-8295-9BC576A7BD54}" srcOrd="4" destOrd="0" parTransId="{F57FA03A-E13C-47AF-A210-BCC1E26D33D0}" sibTransId="{BBD20EA4-C03D-4A11-BFDA-517DA392191E}"/>
     <dgm:cxn modelId="{CF1AB998-3901-461B-AA66-20EE0150400A}" type="presOf" srcId="{48EFE8A3-D3D3-460B-A4D1-940F812D82E6}" destId="{3A74E5F9-30C6-4E34-8F5D-E71DE7578A37}" srcOrd="1" destOrd="0" presId="urn:microsoft.com/office/officeart/2005/8/layout/process5"/>
     <dgm:cxn modelId="{F1B2B315-A6C9-42A9-9697-076EB30DEC0F}" srcId="{D699EF8D-F75A-4790-AE3A-D435F5A51C2B}" destId="{2101A6B5-C0C1-43B6-A078-1D2EC2799895}" srcOrd="2" destOrd="0" parTransId="{3053E32C-C9CA-48AA-A1F9-9CF94266AF2E}" sibTransId="{0D3BEF20-7B46-413E-B049-6018ECB932FA}"/>
     <dgm:cxn modelId="{11005558-D7A2-4897-B5B2-391BF2A74F24}" type="presOf" srcId="{2101A6B5-C0C1-43B6-A078-1D2EC2799895}" destId="{5D3FDD78-FDCE-4F98-AAE6-41938FD0CADE}" srcOrd="0" destOrd="0" presId="urn:microsoft.com/office/officeart/2005/8/layout/process5"/>
@@ -3900,7 +3900,7 @@
           <a:p>
             <a:fld id="{38A82C05-60B2-483E-8A85-7FFE6F4B2F7D}" type="datetimeFigureOut">
               <a:rPr lang="en-US" smtClean="0"/>
-              <a:t>11/4/2017</a:t>
+              <a:t>11/7/2017</a:t>
             </a:fld>
             <a:endParaRPr lang="en-US"/>
           </a:p>
@@ -4299,7 +4299,7 @@
           <a:p>
             <a:fld id="{66488140-7E06-46F5-A441-6E15F503D7C5}" type="datetimeFigureOut">
               <a:rPr lang="en-US" smtClean="0"/>
-              <a:t>11/4/2017</a:t>
+              <a:t>11/7/2017</a:t>
             </a:fld>
             <a:endParaRPr lang="en-US"/>
           </a:p>
@@ -4469,7 +4469,7 @@
           <a:p>
             <a:fld id="{66488140-7E06-46F5-A441-6E15F503D7C5}" type="datetimeFigureOut">
               <a:rPr lang="en-US" smtClean="0"/>
-              <a:t>11/4/2017</a:t>
+              <a:t>11/7/2017</a:t>
             </a:fld>
             <a:endParaRPr lang="en-US"/>
           </a:p>
@@ -4649,7 +4649,7 @@
           <a:p>
             <a:fld id="{66488140-7E06-46F5-A441-6E15F503D7C5}" type="datetimeFigureOut">
               <a:rPr lang="en-US" smtClean="0"/>
-              <a:t>11/4/2017</a:t>
+              <a:t>11/7/2017</a:t>
             </a:fld>
             <a:endParaRPr lang="en-US"/>
           </a:p>
@@ -4819,7 +4819,7 @@
           <a:p>
             <a:fld id="{66488140-7E06-46F5-A441-6E15F503D7C5}" type="datetimeFigureOut">
               <a:rPr lang="en-US" smtClean="0"/>
-              <a:t>11/4/2017</a:t>
+              <a:t>11/7/2017</a:t>
             </a:fld>
             <a:endParaRPr lang="en-US"/>
           </a:p>
@@ -5063,7 +5063,7 @@
           <a:p>
             <a:fld id="{66488140-7E06-46F5-A441-6E15F503D7C5}" type="datetimeFigureOut">
               <a:rPr lang="en-US" smtClean="0"/>
-              <a:t>11/4/2017</a:t>
+              <a:t>11/7/2017</a:t>
             </a:fld>
             <a:endParaRPr lang="en-US"/>
           </a:p>
@@ -5295,7 +5295,7 @@
           <a:p>
             <a:fld id="{66488140-7E06-46F5-A441-6E15F503D7C5}" type="datetimeFigureOut">
               <a:rPr lang="en-US" smtClean="0"/>
-              <a:t>11/4/2017</a:t>
+              <a:t>11/7/2017</a:t>
             </a:fld>
             <a:endParaRPr lang="en-US"/>
           </a:p>
@@ -5662,7 +5662,7 @@
           <a:p>
             <a:fld id="{66488140-7E06-46F5-A441-6E15F503D7C5}" type="datetimeFigureOut">
               <a:rPr lang="en-US" smtClean="0"/>
-              <a:t>11/4/2017</a:t>
+              <a:t>11/7/2017</a:t>
             </a:fld>
             <a:endParaRPr lang="en-US"/>
           </a:p>
@@ -5780,7 +5780,7 @@
           <a:p>
             <a:fld id="{66488140-7E06-46F5-A441-6E15F503D7C5}" type="datetimeFigureOut">
               <a:rPr lang="en-US" smtClean="0"/>
-              <a:t>11/4/2017</a:t>
+              <a:t>11/7/2017</a:t>
             </a:fld>
             <a:endParaRPr lang="en-US"/>
           </a:p>
@@ -5875,7 +5875,7 @@
           <a:p>
             <a:fld id="{66488140-7E06-46F5-A441-6E15F503D7C5}" type="datetimeFigureOut">
               <a:rPr lang="en-US" smtClean="0"/>
-              <a:t>11/4/2017</a:t>
+              <a:t>11/7/2017</a:t>
             </a:fld>
             <a:endParaRPr lang="en-US"/>
           </a:p>
@@ -6152,7 +6152,7 @@
           <a:p>
             <a:fld id="{66488140-7E06-46F5-A441-6E15F503D7C5}" type="datetimeFigureOut">
               <a:rPr lang="en-US" smtClean="0"/>
-              <a:t>11/4/2017</a:t>
+              <a:t>11/7/2017</a:t>
             </a:fld>
             <a:endParaRPr lang="en-US"/>
           </a:p>
@@ -6409,7 +6409,7 @@
           <a:p>
             <a:fld id="{66488140-7E06-46F5-A441-6E15F503D7C5}" type="datetimeFigureOut">
               <a:rPr lang="en-US" smtClean="0"/>
-              <a:t>11/4/2017</a:t>
+              <a:t>11/7/2017</a:t>
             </a:fld>
             <a:endParaRPr lang="en-US"/>
           </a:p>
@@ -6622,7 +6622,7 @@
           <a:p>
             <a:fld id="{66488140-7E06-46F5-A441-6E15F503D7C5}" type="datetimeFigureOut">
               <a:rPr lang="en-US" smtClean="0"/>
-              <a:t>11/4/2017</a:t>
+              <a:t>11/7/2017</a:t>
             </a:fld>
             <a:endParaRPr lang="en-US"/>
           </a:p>
@@ -15636,23 +15636,7 @@
                   <a:schemeClr val="accent2"/>
                 </a:solidFill>
               </a:rPr>
-              <a:t>- Video info (name</a:t>
-            </a:r>
-            <a:r>
-              <a:rPr lang="en-US" dirty="0" smtClean="0">
-                <a:solidFill>
-                  <a:schemeClr val="accent2"/>
-                </a:solidFill>
-              </a:rPr>
-              <a:t>, description, etc</a:t>
-            </a:r>
-            <a:r>
-              <a:rPr lang="en-US" dirty="0" smtClean="0">
-                <a:solidFill>
-                  <a:schemeClr val="accent2"/>
-                </a:solidFill>
-              </a:rPr>
-              <a:t>.) </a:t>
+              <a:t>- Video info (name, description, etc.) </a:t>
             </a:r>
             <a:endParaRPr lang="en-US" dirty="0">
               <a:solidFill>
@@ -15792,11 +15776,6 @@
               </a:rPr>
               <a:t>Automated task</a:t>
             </a:r>
-            <a:endParaRPr lang="en-US" b="1" dirty="0" smtClean="0">
-              <a:solidFill>
-                <a:schemeClr val="accent2"/>
-              </a:solidFill>
-            </a:endParaRPr>
           </a:p>
         </p:txBody>
       </p:sp>
@@ -15903,14 +15882,11 @@
               <a:rPr lang="en-US" dirty="0" smtClean="0">
                 <a:hlinkClick r:id="rId2"/>
               </a:rPr>
-              <a:t>github.com/KeNopphon/edx-YouTube-video-uploading-tool</a:t>
+              <a:t>github.com/TokyoTechX/youtube-batch-upload</a:t>
             </a:r>
             <a:endParaRPr lang="en-US" dirty="0" smtClean="0"/>
           </a:p>
           <a:p>
-            <a:pPr marL="0" indent="0">
-              <a:buNone/>
-            </a:pPr>
             <a:endParaRPr lang="en-US" dirty="0" smtClean="0"/>
           </a:p>
           <a:p>

--- a/youtube_uploading_tool.pptx
+++ b/youtube_uploading_tool.pptx
@@ -1404,8 +1404,8 @@
     <dgm:cxn modelId="{4C7DBC7F-7DF1-4B01-9278-08F064FCB080}" type="presOf" srcId="{0D3BEF20-7B46-413E-B049-6018ECB932FA}" destId="{C43588BE-6041-42F4-8149-AF59609EDF7F}" srcOrd="0" destOrd="0" presId="urn:microsoft.com/office/officeart/2005/8/layout/process5"/>
     <dgm:cxn modelId="{D0B30806-29B1-4465-8DA3-0EE88F7CD35F}" type="presOf" srcId="{71D15C8A-1CA4-4D80-B5C3-8CD2CBDD1776}" destId="{AABB74FC-36F6-4BA3-BB83-7C5BB2334239}" srcOrd="1" destOrd="0" presId="urn:microsoft.com/office/officeart/2005/8/layout/process5"/>
     <dgm:cxn modelId="{76ACA7EC-CAD1-4450-8B3A-4909F6193CAB}" srcId="{D699EF8D-F75A-4790-AE3A-D435F5A51C2B}" destId="{8C08A9C0-9656-4896-A1FD-BDAAC294D74F}" srcOrd="1" destOrd="0" parTransId="{E6B3EC70-B06F-4BDA-B312-6CAA02833F70}" sibTransId="{9D47FBB6-A887-4550-9590-86DACF771E66}"/>
+    <dgm:cxn modelId="{229B6B9D-F6DC-4B33-ADAB-AB34F986EC03}" srcId="{D699EF8D-F75A-4790-AE3A-D435F5A51C2B}" destId="{16528798-8300-41F3-8295-9BC576A7BD54}" srcOrd="4" destOrd="0" parTransId="{F57FA03A-E13C-47AF-A210-BCC1E26D33D0}" sibTransId="{BBD20EA4-C03D-4A11-BFDA-517DA392191E}"/>
     <dgm:cxn modelId="{AC3D58B4-B532-4D2E-8973-040844A54D26}" type="presOf" srcId="{48EFE8A3-D3D3-460B-A4D1-940F812D82E6}" destId="{8B2668C8-33C4-4DAE-8B06-874B3F0BAD49}" srcOrd="0" destOrd="0" presId="urn:microsoft.com/office/officeart/2005/8/layout/process5"/>
-    <dgm:cxn modelId="{229B6B9D-F6DC-4B33-ADAB-AB34F986EC03}" srcId="{D699EF8D-F75A-4790-AE3A-D435F5A51C2B}" destId="{16528798-8300-41F3-8295-9BC576A7BD54}" srcOrd="4" destOrd="0" parTransId="{F57FA03A-E13C-47AF-A210-BCC1E26D33D0}" sibTransId="{BBD20EA4-C03D-4A11-BFDA-517DA392191E}"/>
     <dgm:cxn modelId="{CF1AB998-3901-461B-AA66-20EE0150400A}" type="presOf" srcId="{48EFE8A3-D3D3-460B-A4D1-940F812D82E6}" destId="{3A74E5F9-30C6-4E34-8F5D-E71DE7578A37}" srcOrd="1" destOrd="0" presId="urn:microsoft.com/office/officeart/2005/8/layout/process5"/>
     <dgm:cxn modelId="{F1B2B315-A6C9-42A9-9697-076EB30DEC0F}" srcId="{D699EF8D-F75A-4790-AE3A-D435F5A51C2B}" destId="{2101A6B5-C0C1-43B6-A078-1D2EC2799895}" srcOrd="2" destOrd="0" parTransId="{3053E32C-C9CA-48AA-A1F9-9CF94266AF2E}" sibTransId="{0D3BEF20-7B46-413E-B049-6018ECB932FA}"/>
     <dgm:cxn modelId="{11005558-D7A2-4897-B5B2-391BF2A74F24}" type="presOf" srcId="{2101A6B5-C0C1-43B6-A078-1D2EC2799895}" destId="{5D3FDD78-FDCE-4F98-AAE6-41938FD0CADE}" srcOrd="0" destOrd="0" presId="urn:microsoft.com/office/officeart/2005/8/layout/process5"/>
@@ -3900,7 +3900,7 @@
           <a:p>
             <a:fld id="{38A82C05-60B2-483E-8A85-7FFE6F4B2F7D}" type="datetimeFigureOut">
               <a:rPr lang="en-US" smtClean="0"/>
-              <a:t>11/4/2017</a:t>
+              <a:t>11/7/2017</a:t>
             </a:fld>
             <a:endParaRPr lang="en-US"/>
           </a:p>
@@ -4299,7 +4299,7 @@
           <a:p>
             <a:fld id="{66488140-7E06-46F5-A441-6E15F503D7C5}" type="datetimeFigureOut">
               <a:rPr lang="en-US" smtClean="0"/>
-              <a:t>11/4/2017</a:t>
+              <a:t>11/7/2017</a:t>
             </a:fld>
             <a:endParaRPr lang="en-US"/>
           </a:p>
@@ -4469,7 +4469,7 @@
           <a:p>
             <a:fld id="{66488140-7E06-46F5-A441-6E15F503D7C5}" type="datetimeFigureOut">
               <a:rPr lang="en-US" smtClean="0"/>
-              <a:t>11/4/2017</a:t>
+              <a:t>11/7/2017</a:t>
             </a:fld>
             <a:endParaRPr lang="en-US"/>
           </a:p>
@@ -4649,7 +4649,7 @@
           <a:p>
             <a:fld id="{66488140-7E06-46F5-A441-6E15F503D7C5}" type="datetimeFigureOut">
               <a:rPr lang="en-US" smtClean="0"/>
-              <a:t>11/4/2017</a:t>
+              <a:t>11/7/2017</a:t>
             </a:fld>
             <a:endParaRPr lang="en-US"/>
           </a:p>
@@ -4819,7 +4819,7 @@
           <a:p>
             <a:fld id="{66488140-7E06-46F5-A441-6E15F503D7C5}" type="datetimeFigureOut">
               <a:rPr lang="en-US" smtClean="0"/>
-              <a:t>11/4/2017</a:t>
+              <a:t>11/7/2017</a:t>
             </a:fld>
             <a:endParaRPr lang="en-US"/>
           </a:p>
@@ -5063,7 +5063,7 @@
           <a:p>
             <a:fld id="{66488140-7E06-46F5-A441-6E15F503D7C5}" type="datetimeFigureOut">
               <a:rPr lang="en-US" smtClean="0"/>
-              <a:t>11/4/2017</a:t>
+              <a:t>11/7/2017</a:t>
             </a:fld>
             <a:endParaRPr lang="en-US"/>
           </a:p>
@@ -5295,7 +5295,7 @@
           <a:p>
             <a:fld id="{66488140-7E06-46F5-A441-6E15F503D7C5}" type="datetimeFigureOut">
               <a:rPr lang="en-US" smtClean="0"/>
-              <a:t>11/4/2017</a:t>
+              <a:t>11/7/2017</a:t>
             </a:fld>
             <a:endParaRPr lang="en-US"/>
           </a:p>
@@ -5662,7 +5662,7 @@
           <a:p>
             <a:fld id="{66488140-7E06-46F5-A441-6E15F503D7C5}" type="datetimeFigureOut">
               <a:rPr lang="en-US" smtClean="0"/>
-              <a:t>11/4/2017</a:t>
+              <a:t>11/7/2017</a:t>
             </a:fld>
             <a:endParaRPr lang="en-US"/>
           </a:p>
@@ -5780,7 +5780,7 @@
           <a:p>
             <a:fld id="{66488140-7E06-46F5-A441-6E15F503D7C5}" type="datetimeFigureOut">
               <a:rPr lang="en-US" smtClean="0"/>
-              <a:t>11/4/2017</a:t>
+              <a:t>11/7/2017</a:t>
             </a:fld>
             <a:endParaRPr lang="en-US"/>
           </a:p>
@@ -5875,7 +5875,7 @@
           <a:p>
             <a:fld id="{66488140-7E06-46F5-A441-6E15F503D7C5}" type="datetimeFigureOut">
               <a:rPr lang="en-US" smtClean="0"/>
-              <a:t>11/4/2017</a:t>
+              <a:t>11/7/2017</a:t>
             </a:fld>
             <a:endParaRPr lang="en-US"/>
           </a:p>
@@ -6152,7 +6152,7 @@
           <a:p>
             <a:fld id="{66488140-7E06-46F5-A441-6E15F503D7C5}" type="datetimeFigureOut">
               <a:rPr lang="en-US" smtClean="0"/>
-              <a:t>11/4/2017</a:t>
+              <a:t>11/7/2017</a:t>
             </a:fld>
             <a:endParaRPr lang="en-US"/>
           </a:p>
@@ -6409,7 +6409,7 @@
           <a:p>
             <a:fld id="{66488140-7E06-46F5-A441-6E15F503D7C5}" type="datetimeFigureOut">
               <a:rPr lang="en-US" smtClean="0"/>
-              <a:t>11/4/2017</a:t>
+              <a:t>11/7/2017</a:t>
             </a:fld>
             <a:endParaRPr lang="en-US"/>
           </a:p>
@@ -6622,7 +6622,7 @@
           <a:p>
             <a:fld id="{66488140-7E06-46F5-A441-6E15F503D7C5}" type="datetimeFigureOut">
               <a:rPr lang="en-US" smtClean="0"/>
-              <a:t>11/4/2017</a:t>
+              <a:t>11/7/2017</a:t>
             </a:fld>
             <a:endParaRPr lang="en-US"/>
           </a:p>
@@ -15636,23 +15636,7 @@
                   <a:schemeClr val="accent2"/>
                 </a:solidFill>
               </a:rPr>
-              <a:t>- Video info (name</a:t>
-            </a:r>
-            <a:r>
-              <a:rPr lang="en-US" dirty="0" smtClean="0">
-                <a:solidFill>
-                  <a:schemeClr val="accent2"/>
-                </a:solidFill>
-              </a:rPr>
-              <a:t>, description, etc</a:t>
-            </a:r>
-            <a:r>
-              <a:rPr lang="en-US" dirty="0" smtClean="0">
-                <a:solidFill>
-                  <a:schemeClr val="accent2"/>
-                </a:solidFill>
-              </a:rPr>
-              <a:t>.) </a:t>
+              <a:t>- Video info (name, description, etc.) </a:t>
             </a:r>
             <a:endParaRPr lang="en-US" dirty="0">
               <a:solidFill>
@@ -15792,11 +15776,6 @@
               </a:rPr>
               <a:t>Automated task</a:t>
             </a:r>
-            <a:endParaRPr lang="en-US" b="1" dirty="0" smtClean="0">
-              <a:solidFill>
-                <a:schemeClr val="accent2"/>
-              </a:solidFill>
-            </a:endParaRPr>
           </a:p>
         </p:txBody>
       </p:sp>
@@ -15894,23 +15873,26 @@
           </a:p>
           <a:p>
             <a:r>
-              <a:rPr lang="en-US" dirty="0">
+              <a:rPr lang="en-US">
                 <a:hlinkClick r:id="rId2"/>
               </a:rPr>
-              <a:t>https://</a:t>
-            </a:r>
-            <a:r>
-              <a:rPr lang="en-US" dirty="0" smtClean="0">
+              <a:t>https</a:t>
+            </a:r>
+            <a:r>
+              <a:rPr lang="en-US">
                 <a:hlinkClick r:id="rId2"/>
               </a:rPr>
-              <a:t>github.com/KeNopphon/edx-YouTube-video-uploading-tool</a:t>
-            </a:r>
-            <a:endParaRPr lang="en-US" dirty="0" smtClean="0"/>
-          </a:p>
-          <a:p>
-            <a:pPr marL="0" indent="0">
-              <a:buNone/>
-            </a:pPr>
+              <a:t>://</a:t>
+            </a:r>
+            <a:r>
+              <a:rPr lang="en-US" smtClean="0">
+                <a:hlinkClick r:id="rId2"/>
+              </a:rPr>
+              <a:t>github.com/TokyoTechX/youtube-batch-upload</a:t>
+            </a:r>
+            <a:endParaRPr lang="en-US" smtClean="0"/>
+          </a:p>
+          <a:p>
             <a:endParaRPr lang="en-US" dirty="0" smtClean="0"/>
           </a:p>
           <a:p>
